--- a/projeto_final/PAC_Banco_Solidario.pptx
+++ b/projeto_final/PAC_Banco_Solidario.pptx
@@ -273,7 +273,7 @@
           <a:p>
             <a:fld id="{02AC24A9-CCB6-4F8D-B8DB-C2F3692CFA5A}" type="datetimeFigureOut">
               <a:rPr lang="en-US" smtClean="0"/>
-              <a:t>6/16/2021</a:t>
+              <a:t>6/18/2021</a:t>
             </a:fld>
             <a:endParaRPr lang="en-US" dirty="0"/>
           </a:p>
@@ -643,7 +643,7 @@
           <a:p>
             <a:fld id="{02AC24A9-CCB6-4F8D-B8DB-C2F3692CFA5A}" type="datetimeFigureOut">
               <a:rPr lang="en-US" smtClean="0"/>
-              <a:t>6/16/2021</a:t>
+              <a:t>6/18/2021</a:t>
             </a:fld>
             <a:endParaRPr lang="en-US"/>
           </a:p>
@@ -852,7 +852,7 @@
           <a:p>
             <a:fld id="{02AC24A9-CCB6-4F8D-B8DB-C2F3692CFA5A}" type="datetimeFigureOut">
               <a:rPr lang="en-US" smtClean="0"/>
-              <a:t>6/16/2021</a:t>
+              <a:t>6/18/2021</a:t>
             </a:fld>
             <a:endParaRPr lang="en-US"/>
           </a:p>
@@ -1322,7 +1322,7 @@
           <a:p>
             <a:fld id="{02AC24A9-CCB6-4F8D-B8DB-C2F3692CFA5A}" type="datetimeFigureOut">
               <a:rPr lang="en-US" smtClean="0"/>
-              <a:t>6/16/2021</a:t>
+              <a:t>6/18/2021</a:t>
             </a:fld>
             <a:endParaRPr lang="en-US"/>
           </a:p>
@@ -1776,7 +1776,7 @@
           <a:p>
             <a:fld id="{02AC24A9-CCB6-4F8D-B8DB-C2F3692CFA5A}" type="datetimeFigureOut">
               <a:rPr lang="en-US" smtClean="0"/>
-              <a:t>6/16/2021</a:t>
+              <a:t>6/18/2021</a:t>
             </a:fld>
             <a:endParaRPr lang="en-US"/>
           </a:p>
@@ -2308,7 +2308,7 @@
           <a:p>
             <a:fld id="{02AC24A9-CCB6-4F8D-B8DB-C2F3692CFA5A}" type="datetimeFigureOut">
               <a:rPr lang="en-US" smtClean="0"/>
-              <a:t>6/16/2021</a:t>
+              <a:t>6/18/2021</a:t>
             </a:fld>
             <a:endParaRPr lang="en-US"/>
           </a:p>
@@ -3007,7 +3007,7 @@
           <a:p>
             <a:fld id="{02AC24A9-CCB6-4F8D-B8DB-C2F3692CFA5A}" type="datetimeFigureOut">
               <a:rPr lang="en-US" smtClean="0"/>
-              <a:t>6/16/2021</a:t>
+              <a:t>6/18/2021</a:t>
             </a:fld>
             <a:endParaRPr lang="en-US"/>
           </a:p>
@@ -3336,7 +3336,7 @@
           <a:p>
             <a:fld id="{02AC24A9-CCB6-4F8D-B8DB-C2F3692CFA5A}" type="datetimeFigureOut">
               <a:rPr lang="en-US" smtClean="0"/>
-              <a:t>6/16/2021</a:t>
+              <a:t>6/18/2021</a:t>
             </a:fld>
             <a:endParaRPr lang="en-US"/>
           </a:p>
@@ -3449,7 +3449,7 @@
           <a:p>
             <a:fld id="{02AC24A9-CCB6-4F8D-B8DB-C2F3692CFA5A}" type="datetimeFigureOut">
               <a:rPr lang="en-US" smtClean="0"/>
-              <a:t>6/16/2021</a:t>
+              <a:t>6/18/2021</a:t>
             </a:fld>
             <a:endParaRPr lang="en-US"/>
           </a:p>
@@ -3944,7 +3944,7 @@
           <a:p>
             <a:fld id="{02AC24A9-CCB6-4F8D-B8DB-C2F3692CFA5A}" type="datetimeFigureOut">
               <a:rPr lang="en-US" smtClean="0"/>
-              <a:t>6/16/2021</a:t>
+              <a:t>6/18/2021</a:t>
             </a:fld>
             <a:endParaRPr lang="en-US" dirty="0"/>
           </a:p>
@@ -4421,7 +4421,7 @@
           <a:p>
             <a:fld id="{02AC24A9-CCB6-4F8D-B8DB-C2F3692CFA5A}" type="datetimeFigureOut">
               <a:rPr lang="en-US" smtClean="0"/>
-              <a:t>6/16/2021</a:t>
+              <a:t>6/18/2021</a:t>
             </a:fld>
             <a:endParaRPr lang="en-US"/>
           </a:p>
@@ -4664,7 +4664,7 @@
           <a:p>
             <a:fld id="{02AC24A9-CCB6-4F8D-B8DB-C2F3692CFA5A}" type="datetimeFigureOut">
               <a:rPr lang="en-US" smtClean="0"/>
-              <a:t>6/16/2021</a:t>
+              <a:t>6/18/2021</a:t>
             </a:fld>
             <a:endParaRPr lang="en-US"/>
           </a:p>
@@ -6526,23 +6526,7 @@
           <a:p>
             <a:r>
               <a:rPr lang="pt-PT" dirty="0"/>
-              <a:t>Criar um "</a:t>
-            </a:r>
-            <a:r>
-              <a:rPr lang="pt-PT" dirty="0" err="1"/>
-              <a:t>home</a:t>
-            </a:r>
-            <a:r>
-              <a:rPr lang="pt-PT" dirty="0"/>
-              <a:t> </a:t>
-            </a:r>
-            <a:r>
-              <a:rPr lang="pt-PT" dirty="0" err="1"/>
-              <a:t>page</a:t>
-            </a:r>
-            <a:r>
-              <a:rPr lang="pt-PT" dirty="0"/>
-              <a:t>"</a:t>
+              <a:t>Criar uma "homepage“;</a:t>
             </a:r>
           </a:p>
           <a:p>
@@ -6584,15 +6568,7 @@
           <a:p>
             <a:r>
               <a:rPr lang="pt-PT" dirty="0"/>
-              <a:t>Pedido de doação por parte do </a:t>
-            </a:r>
-            <a:r>
-              <a:rPr lang="pt-PT" dirty="0" err="1"/>
-              <a:t>user</a:t>
-            </a:r>
-            <a:r>
-              <a:rPr lang="pt-PT" dirty="0"/>
-              <a:t>;</a:t>
+              <a:t>Pedido de doação por parte do utilizador;</a:t>
             </a:r>
           </a:p>
           <a:p>
@@ -6681,21 +6657,13 @@
           <a:p>
             <a:r>
               <a:rPr lang="pt-PT" dirty="0"/>
-              <a:t>Aceitar um pedido sendo </a:t>
-            </a:r>
-            <a:r>
-              <a:rPr lang="pt-PT" dirty="0" err="1"/>
-              <a:t>monito</a:t>
-            </a:r>
+              <a:t>Aceitar um pedido sendo monitor.</a:t>
+            </a:r>
+          </a:p>
+          <a:p>
             <a:r>
               <a:rPr lang="pt-PT" dirty="0"/>
-              <a:t>.</a:t>
-            </a:r>
-          </a:p>
-          <a:p>
-            <a:r>
-              <a:rPr lang="pt-PT" dirty="0"/>
-              <a:t>Editar as famílias</a:t>
+              <a:t>Editar as Famílias</a:t>
             </a:r>
           </a:p>
           <a:p>
@@ -6707,7 +6675,7 @@
           <a:p>
             <a:r>
               <a:rPr lang="pt-PT" dirty="0"/>
-              <a:t>Editar as doações por pedido;</a:t>
+              <a:t>Editar as Doações por pedido;</a:t>
             </a:r>
           </a:p>
           <a:p>
